--- a/Fall2018 Lecture Notes/Chapter 8 Lecture.pptx
+++ b/Fall2018 Lecture Notes/Chapter 8 Lecture.pptx
@@ -168,18 +168,18 @@
   <pc:docChgLst>
     <pc:chgData name="Tabetha Hopke" userId="5e7e88d54752368c" providerId="LiveId" clId="{4B8B5A81-5E97-495D-A00B-594C05E4DE85}"/>
     <pc:docChg chg="undo redo custSel delSld modSld modMainMaster">
-      <pc:chgData name="Tabetha Hopke" userId="5e7e88d54752368c" providerId="LiveId" clId="{4B8B5A81-5E97-495D-A00B-594C05E4DE85}" dt="2018-07-24T18:39:41.948" v="359" actId="255"/>
+      <pc:chgData name="Tabetha Hopke" userId="5e7e88d54752368c" providerId="LiveId" clId="{4B8B5A81-5E97-495D-A00B-594C05E4DE85}" dt="2018-07-24T21:50:19.164" v="1922" actId="5793"/>
       <pc:docMkLst>
         <pc:docMk/>
       </pc:docMkLst>
       <pc:sldChg chg="addSp delSp modSp">
-        <pc:chgData name="Tabetha Hopke" userId="5e7e88d54752368c" providerId="LiveId" clId="{4B8B5A81-5E97-495D-A00B-594C05E4DE85}" dt="2018-07-24T18:39:06.898" v="356"/>
+        <pc:chgData name="Tabetha Hopke" userId="5e7e88d54752368c" providerId="LiveId" clId="{4B8B5A81-5E97-495D-A00B-594C05E4DE85}" dt="2018-07-24T18:39:06.898" v="356" actId="255"/>
         <pc:sldMkLst>
           <pc:docMk/>
           <pc:sldMk cId="0" sldId="256"/>
         </pc:sldMkLst>
         <pc:spChg chg="add mod">
-          <ac:chgData name="Tabetha Hopke" userId="5e7e88d54752368c" providerId="LiveId" clId="{4B8B5A81-5E97-495D-A00B-594C05E4DE85}" dt="2018-07-24T18:39:06.898" v="356"/>
+          <ac:chgData name="Tabetha Hopke" userId="5e7e88d54752368c" providerId="LiveId" clId="{4B8B5A81-5E97-495D-A00B-594C05E4DE85}" dt="2018-07-24T18:39:06.898" v="356" actId="255"/>
           <ac:spMkLst>
             <pc:docMk/>
             <pc:sldMk cId="0" sldId="256"/>
@@ -203,14 +203,14 @@
           </ac:picMkLst>
         </pc:picChg>
       </pc:sldChg>
-      <pc:sldChg chg="addSp delSp modSp">
-        <pc:chgData name="Tabetha Hopke" userId="5e7e88d54752368c" providerId="LiveId" clId="{4B8B5A81-5E97-495D-A00B-594C05E4DE85}" dt="2018-07-24T18:38:27.915" v="349"/>
+      <pc:sldChg chg="addSp delSp modSp modNotesTx">
+        <pc:chgData name="Tabetha Hopke" userId="5e7e88d54752368c" providerId="LiveId" clId="{4B8B5A81-5E97-495D-A00B-594C05E4DE85}" dt="2018-07-24T19:50:04.247" v="1045" actId="20577"/>
         <pc:sldMkLst>
           <pc:docMk/>
           <pc:sldMk cId="0" sldId="261"/>
         </pc:sldMkLst>
         <pc:spChg chg="add mod">
-          <ac:chgData name="Tabetha Hopke" userId="5e7e88d54752368c" providerId="LiveId" clId="{4B8B5A81-5E97-495D-A00B-594C05E4DE85}" dt="2018-07-24T18:38:27.915" v="349"/>
+          <ac:chgData name="Tabetha Hopke" userId="5e7e88d54752368c" providerId="LiveId" clId="{4B8B5A81-5E97-495D-A00B-594C05E4DE85}" dt="2018-07-24T19:47:46.034" v="901" actId="20577"/>
           <ac:spMkLst>
             <pc:docMk/>
             <pc:sldMk cId="0" sldId="261"/>
@@ -225,6 +225,14 @@
             <ac:spMk id="20481" creationId="{00000000-0000-0000-0000-000000000000}"/>
           </ac:spMkLst>
         </pc:spChg>
+        <pc:spChg chg="mod">
+          <ac:chgData name="Tabetha Hopke" userId="5e7e88d54752368c" providerId="LiveId" clId="{4B8B5A81-5E97-495D-A00B-594C05E4DE85}" dt="2018-07-24T19:50:04.247" v="1045" actId="20577"/>
+          <ac:spMkLst>
+            <pc:docMk/>
+            <pc:sldMk cId="0" sldId="261"/>
+            <ac:spMk id="20482" creationId="{00000000-0000-0000-0000-000000000000}"/>
+          </ac:spMkLst>
+        </pc:spChg>
       </pc:sldChg>
       <pc:sldChg chg="addSp delSp modSp">
         <pc:chgData name="Tabetha Hopke" userId="5e7e88d54752368c" providerId="LiveId" clId="{4B8B5A81-5E97-495D-A00B-594C05E4DE85}" dt="2018-07-24T18:38:09.387" v="345" actId="20577"/>
@@ -233,7 +241,7 @@
           <pc:sldMk cId="0" sldId="263"/>
         </pc:sldMkLst>
         <pc:spChg chg="add mod">
-          <ac:chgData name="Tabetha Hopke" userId="5e7e88d54752368c" providerId="LiveId" clId="{4B8B5A81-5E97-495D-A00B-594C05E4DE85}" dt="2018-07-24T18:37:54.953" v="341"/>
+          <ac:chgData name="Tabetha Hopke" userId="5e7e88d54752368c" providerId="LiveId" clId="{4B8B5A81-5E97-495D-A00B-594C05E4DE85}" dt="2018-07-24T18:37:54.953" v="341" actId="20577"/>
           <ac:spMkLst>
             <pc:docMk/>
             <pc:sldMk cId="0" sldId="263"/>
@@ -257,14 +265,14 @@
           </ac:spMkLst>
         </pc:spChg>
       </pc:sldChg>
-      <pc:sldChg chg="addSp delSp modSp">
-        <pc:chgData name="Tabetha Hopke" userId="5e7e88d54752368c" providerId="LiveId" clId="{4B8B5A81-5E97-495D-A00B-594C05E4DE85}" dt="2018-07-24T18:37:08.378" v="330" actId="20577"/>
+      <pc:sldChg chg="addSp delSp modSp modNotesTx">
+        <pc:chgData name="Tabetha Hopke" userId="5e7e88d54752368c" providerId="LiveId" clId="{4B8B5A81-5E97-495D-A00B-594C05E4DE85}" dt="2018-07-24T19:54:15.202" v="1072" actId="5793"/>
         <pc:sldMkLst>
           <pc:docMk/>
           <pc:sldMk cId="0" sldId="264"/>
         </pc:sldMkLst>
         <pc:spChg chg="add mod">
-          <ac:chgData name="Tabetha Hopke" userId="5e7e88d54752368c" providerId="LiveId" clId="{4B8B5A81-5E97-495D-A00B-594C05E4DE85}" dt="2018-07-24T18:36:45.666" v="323"/>
+          <ac:chgData name="Tabetha Hopke" userId="5e7e88d54752368c" providerId="LiveId" clId="{4B8B5A81-5E97-495D-A00B-594C05E4DE85}" dt="2018-07-24T18:36:45.666" v="323" actId="20577"/>
           <ac:spMkLst>
             <pc:docMk/>
             <pc:sldMk cId="0" sldId="264"/>
@@ -272,7 +280,7 @@
           </ac:spMkLst>
         </pc:spChg>
         <pc:spChg chg="mod">
-          <ac:chgData name="Tabetha Hopke" userId="5e7e88d54752368c" providerId="LiveId" clId="{4B8B5A81-5E97-495D-A00B-594C05E4DE85}" dt="2018-07-24T18:37:08.378" v="330" actId="20577"/>
+          <ac:chgData name="Tabetha Hopke" userId="5e7e88d54752368c" providerId="LiveId" clId="{4B8B5A81-5E97-495D-A00B-594C05E4DE85}" dt="2018-07-24T19:53:59.530" v="1067" actId="5793"/>
           <ac:spMkLst>
             <pc:docMk/>
             <pc:sldMk cId="0" sldId="264"/>
@@ -289,13 +297,13 @@
         </pc:spChg>
       </pc:sldChg>
       <pc:sldChg chg="addSp delSp modSp">
-        <pc:chgData name="Tabetha Hopke" userId="5e7e88d54752368c" providerId="LiveId" clId="{4B8B5A81-5E97-495D-A00B-594C05E4DE85}" dt="2018-07-24T18:35:34.702" v="311" actId="20577"/>
+        <pc:chgData name="Tabetha Hopke" userId="5e7e88d54752368c" providerId="LiveId" clId="{4B8B5A81-5E97-495D-A00B-594C05E4DE85}" dt="2018-07-24T20:12:26.746" v="1216" actId="20577"/>
         <pc:sldMkLst>
           <pc:docMk/>
           <pc:sldMk cId="0" sldId="265"/>
         </pc:sldMkLst>
         <pc:spChg chg="add mod">
-          <ac:chgData name="Tabetha Hopke" userId="5e7e88d54752368c" providerId="LiveId" clId="{4B8B5A81-5E97-495D-A00B-594C05E4DE85}" dt="2018-07-24T18:35:20.596" v="307"/>
+          <ac:chgData name="Tabetha Hopke" userId="5e7e88d54752368c" providerId="LiveId" clId="{4B8B5A81-5E97-495D-A00B-594C05E4DE85}" dt="2018-07-24T18:35:20.596" v="307" actId="20577"/>
           <ac:spMkLst>
             <pc:docMk/>
             <pc:sldMk cId="0" sldId="265"/>
@@ -311,7 +319,7 @@
           </ac:spMkLst>
         </pc:spChg>
         <pc:spChg chg="mod">
-          <ac:chgData name="Tabetha Hopke" userId="5e7e88d54752368c" providerId="LiveId" clId="{4B8B5A81-5E97-495D-A00B-594C05E4DE85}" dt="2018-07-24T18:35:34.702" v="311" actId="20577"/>
+          <ac:chgData name="Tabetha Hopke" userId="5e7e88d54752368c" providerId="LiveId" clId="{4B8B5A81-5E97-495D-A00B-594C05E4DE85}" dt="2018-07-24T20:12:26.746" v="1216" actId="20577"/>
           <ac:spMkLst>
             <pc:docMk/>
             <pc:sldMk cId="0" sldId="265"/>
@@ -320,13 +328,13 @@
         </pc:spChg>
       </pc:sldChg>
       <pc:sldChg chg="addSp delSp modSp">
-        <pc:chgData name="Tabetha Hopke" userId="5e7e88d54752368c" providerId="LiveId" clId="{4B8B5A81-5E97-495D-A00B-594C05E4DE85}" dt="2018-07-24T18:34:20.775" v="301"/>
+        <pc:chgData name="Tabetha Hopke" userId="5e7e88d54752368c" providerId="LiveId" clId="{4B8B5A81-5E97-495D-A00B-594C05E4DE85}" dt="2018-07-24T18:34:20.775" v="301" actId="255"/>
         <pc:sldMkLst>
           <pc:docMk/>
           <pc:sldMk cId="0" sldId="273"/>
         </pc:sldMkLst>
         <pc:spChg chg="add mod">
-          <ac:chgData name="Tabetha Hopke" userId="5e7e88d54752368c" providerId="LiveId" clId="{4B8B5A81-5E97-495D-A00B-594C05E4DE85}" dt="2018-07-24T18:34:20.775" v="301"/>
+          <ac:chgData name="Tabetha Hopke" userId="5e7e88d54752368c" providerId="LiveId" clId="{4B8B5A81-5E97-495D-A00B-594C05E4DE85}" dt="2018-07-24T18:34:20.775" v="301" actId="255"/>
           <ac:spMkLst>
             <pc:docMk/>
             <pc:sldMk cId="0" sldId="273"/>
@@ -343,13 +351,13 @@
         </pc:spChg>
       </pc:sldChg>
       <pc:sldChg chg="addSp delSp modSp">
-        <pc:chgData name="Tabetha Hopke" userId="5e7e88d54752368c" providerId="LiveId" clId="{4B8B5A81-5E97-495D-A00B-594C05E4DE85}" dt="2018-07-24T18:33:56.864" v="297"/>
+        <pc:chgData name="Tabetha Hopke" userId="5e7e88d54752368c" providerId="LiveId" clId="{4B8B5A81-5E97-495D-A00B-594C05E4DE85}" dt="2018-07-24T18:33:56.864" v="297" actId="255"/>
         <pc:sldMkLst>
           <pc:docMk/>
           <pc:sldMk cId="0" sldId="274"/>
         </pc:sldMkLst>
         <pc:spChg chg="add mod">
-          <ac:chgData name="Tabetha Hopke" userId="5e7e88d54752368c" providerId="LiveId" clId="{4B8B5A81-5E97-495D-A00B-594C05E4DE85}" dt="2018-07-24T18:33:56.864" v="297"/>
+          <ac:chgData name="Tabetha Hopke" userId="5e7e88d54752368c" providerId="LiveId" clId="{4B8B5A81-5E97-495D-A00B-594C05E4DE85}" dt="2018-07-24T18:33:56.864" v="297" actId="255"/>
           <ac:spMkLst>
             <pc:docMk/>
             <pc:sldMk cId="0" sldId="274"/>
@@ -366,7 +374,7 @@
         </pc:spChg>
       </pc:sldChg>
       <pc:sldChg chg="addSp delSp modSp">
-        <pc:chgData name="Tabetha Hopke" userId="5e7e88d54752368c" providerId="LiveId" clId="{4B8B5A81-5E97-495D-A00B-594C05E4DE85}" dt="2018-07-24T18:32:57.038" v="278" actId="1076"/>
+        <pc:chgData name="Tabetha Hopke" userId="5e7e88d54752368c" providerId="LiveId" clId="{4B8B5A81-5E97-495D-A00B-594C05E4DE85}" dt="2018-07-24T20:05:41.915" v="1146" actId="20577"/>
         <pc:sldMkLst>
           <pc:docMk/>
           <pc:sldMk cId="0" sldId="275"/>
@@ -380,7 +388,7 @@
           </ac:spMkLst>
         </pc:spChg>
         <pc:spChg chg="add mod">
-          <ac:chgData name="Tabetha Hopke" userId="5e7e88d54752368c" providerId="LiveId" clId="{4B8B5A81-5E97-495D-A00B-594C05E4DE85}" dt="2018-07-24T18:32:18.827" v="265"/>
+          <ac:chgData name="Tabetha Hopke" userId="5e7e88d54752368c" providerId="LiveId" clId="{4B8B5A81-5E97-495D-A00B-594C05E4DE85}" dt="2018-07-24T20:05:41.915" v="1146" actId="20577"/>
           <ac:spMkLst>
             <pc:docMk/>
             <pc:sldMk cId="0" sldId="275"/>
@@ -405,13 +413,13 @@
         </pc:picChg>
       </pc:sldChg>
       <pc:sldChg chg="addSp delSp modSp">
-        <pc:chgData name="Tabetha Hopke" userId="5e7e88d54752368c" providerId="LiveId" clId="{4B8B5A81-5E97-495D-A00B-594C05E4DE85}" dt="2018-07-24T18:32:48.945" v="276" actId="1076"/>
+        <pc:chgData name="Tabetha Hopke" userId="5e7e88d54752368c" providerId="LiveId" clId="{4B8B5A81-5E97-495D-A00B-594C05E4DE85}" dt="2018-07-24T20:05:50.359" v="1148" actId="20577"/>
         <pc:sldMkLst>
           <pc:docMk/>
           <pc:sldMk cId="0" sldId="276"/>
         </pc:sldMkLst>
         <pc:spChg chg="add mod">
-          <ac:chgData name="Tabetha Hopke" userId="5e7e88d54752368c" providerId="LiveId" clId="{4B8B5A81-5E97-495D-A00B-594C05E4DE85}" dt="2018-07-24T18:32:28.685" v="268" actId="27636"/>
+          <ac:chgData name="Tabetha Hopke" userId="5e7e88d54752368c" providerId="LiveId" clId="{4B8B5A81-5E97-495D-A00B-594C05E4DE85}" dt="2018-07-24T20:05:50.359" v="1148" actId="20577"/>
           <ac:spMkLst>
             <pc:docMk/>
             <pc:sldMk cId="0" sldId="276"/>
@@ -419,7 +427,7 @@
           </ac:spMkLst>
         </pc:spChg>
         <pc:spChg chg="add mod">
-          <ac:chgData name="Tabetha Hopke" userId="5e7e88d54752368c" providerId="LiveId" clId="{4B8B5A81-5E97-495D-A00B-594C05E4DE85}" dt="2018-07-24T18:32:37.620" v="272"/>
+          <ac:chgData name="Tabetha Hopke" userId="5e7e88d54752368c" providerId="LiveId" clId="{4B8B5A81-5E97-495D-A00B-594C05E4DE85}" dt="2018-07-24T20:05:30.236" v="1144" actId="20577"/>
           <ac:spMkLst>
             <pc:docMk/>
             <pc:sldMk cId="0" sldId="276"/>
@@ -443,7 +451,7 @@
           </ac:picMkLst>
         </pc:picChg>
         <pc:picChg chg="del">
-          <ac:chgData name="Tabetha Hopke" userId="5e7e88d54752368c" providerId="LiveId" clId="{4B8B5A81-5E97-495D-A00B-594C05E4DE85}" dt="2018-07-24T18:30:58.796" v="237"/>
+          <ac:chgData name="Tabetha Hopke" userId="5e7e88d54752368c" providerId="LiveId" clId="{4B8B5A81-5E97-495D-A00B-594C05E4DE85}" dt="2018-07-24T18:30:58.796" v="237" actId="1076"/>
           <ac:picMkLst>
             <pc:docMk/>
             <pc:sldMk cId="0" sldId="276"/>
@@ -458,7 +466,7 @@
           <pc:sldMk cId="0" sldId="277"/>
         </pc:sldMkLst>
         <pc:spChg chg="add mod">
-          <ac:chgData name="Tabetha Hopke" userId="5e7e88d54752368c" providerId="LiveId" clId="{4B8B5A81-5E97-495D-A00B-594C05E4DE85}" dt="2018-07-24T18:28:40.816" v="196"/>
+          <ac:chgData name="Tabetha Hopke" userId="5e7e88d54752368c" providerId="LiveId" clId="{4B8B5A81-5E97-495D-A00B-594C05E4DE85}" dt="2018-07-24T18:28:40.816" v="196" actId="20577"/>
           <ac:spMkLst>
             <pc:docMk/>
             <pc:sldMk cId="0" sldId="277"/>
@@ -520,7 +528,7 @@
           </ac:spMkLst>
         </pc:spChg>
         <pc:spChg chg="add del mod">
-          <ac:chgData name="Tabetha Hopke" userId="5e7e88d54752368c" providerId="LiveId" clId="{4B8B5A81-5E97-495D-A00B-594C05E4DE85}" dt="2018-07-24T18:21:14.008" v="126"/>
+          <ac:chgData name="Tabetha Hopke" userId="5e7e88d54752368c" providerId="LiveId" clId="{4B8B5A81-5E97-495D-A00B-594C05E4DE85}" dt="2018-07-24T18:21:14.008" v="126" actId="1076"/>
           <ac:spMkLst>
             <pc:docMk/>
             <pc:sldMk cId="0" sldId="285"/>
@@ -544,7 +552,7 @@
           </ac:picMkLst>
         </pc:picChg>
         <pc:picChg chg="del">
-          <ac:chgData name="Tabetha Hopke" userId="5e7e88d54752368c" providerId="LiveId" clId="{4B8B5A81-5E97-495D-A00B-594C05E4DE85}" dt="2018-07-24T18:21:12.498" v="125"/>
+          <ac:chgData name="Tabetha Hopke" userId="5e7e88d54752368c" providerId="LiveId" clId="{4B8B5A81-5E97-495D-A00B-594C05E4DE85}" dt="2018-07-24T18:21:12.498" v="125" actId="1076"/>
           <ac:picMkLst>
             <pc:docMk/>
             <pc:sldMk cId="0" sldId="285"/>
@@ -567,7 +575,7 @@
           </ac:spMkLst>
         </pc:spChg>
         <pc:spChg chg="add del mod">
-          <ac:chgData name="Tabetha Hopke" userId="5e7e88d54752368c" providerId="LiveId" clId="{4B8B5A81-5E97-495D-A00B-594C05E4DE85}" dt="2018-07-24T18:20:42.343" v="116"/>
+          <ac:chgData name="Tabetha Hopke" userId="5e7e88d54752368c" providerId="LiveId" clId="{4B8B5A81-5E97-495D-A00B-594C05E4DE85}" dt="2018-07-24T18:20:42.343" v="116" actId="1076"/>
           <ac:spMkLst>
             <pc:docMk/>
             <pc:sldMk cId="0" sldId="286"/>
@@ -591,7 +599,7 @@
           </ac:picMkLst>
         </pc:picChg>
         <pc:picChg chg="del">
-          <ac:chgData name="Tabetha Hopke" userId="5e7e88d54752368c" providerId="LiveId" clId="{4B8B5A81-5E97-495D-A00B-594C05E4DE85}" dt="2018-07-24T18:20:40.328" v="115"/>
+          <ac:chgData name="Tabetha Hopke" userId="5e7e88d54752368c" providerId="LiveId" clId="{4B8B5A81-5E97-495D-A00B-594C05E4DE85}" dt="2018-07-24T18:20:40.328" v="115" actId="1076"/>
           <ac:picMkLst>
             <pc:docMk/>
             <pc:sldMk cId="0" sldId="286"/>
@@ -630,7 +638,7 @@
           </ac:spMkLst>
         </pc:spChg>
         <pc:spChg chg="add del mod">
-          <ac:chgData name="Tabetha Hopke" userId="5e7e88d54752368c" providerId="LiveId" clId="{4B8B5A81-5E97-495D-A00B-594C05E4DE85}" dt="2018-07-24T18:19:58.042" v="93"/>
+          <ac:chgData name="Tabetha Hopke" userId="5e7e88d54752368c" providerId="LiveId" clId="{4B8B5A81-5E97-495D-A00B-594C05E4DE85}" dt="2018-07-24T18:19:58.042" v="93" actId="1076"/>
           <ac:spMkLst>
             <pc:docMk/>
             <pc:sldMk cId="0" sldId="287"/>
@@ -646,7 +654,7 @@
           </ac:picMkLst>
         </pc:picChg>
         <pc:picChg chg="del mod">
-          <ac:chgData name="Tabetha Hopke" userId="5e7e88d54752368c" providerId="LiveId" clId="{4B8B5A81-5E97-495D-A00B-594C05E4DE85}" dt="2018-07-24T18:19:54.465" v="92"/>
+          <ac:chgData name="Tabetha Hopke" userId="5e7e88d54752368c" providerId="LiveId" clId="{4B8B5A81-5E97-495D-A00B-594C05E4DE85}" dt="2018-07-24T18:19:54.465" v="92" actId="1076"/>
           <ac:picMkLst>
             <pc:docMk/>
             <pc:sldMk cId="0" sldId="287"/>
@@ -669,7 +677,7 @@
           </ac:spMkLst>
         </pc:spChg>
         <pc:spChg chg="add del mod">
-          <ac:chgData name="Tabetha Hopke" userId="5e7e88d54752368c" providerId="LiveId" clId="{4B8B5A81-5E97-495D-A00B-594C05E4DE85}" dt="2018-07-24T18:18:40.376" v="43"/>
+          <ac:chgData name="Tabetha Hopke" userId="5e7e88d54752368c" providerId="LiveId" clId="{4B8B5A81-5E97-495D-A00B-594C05E4DE85}" dt="2018-07-24T18:18:40.376" v="43" actId="1076"/>
           <ac:spMkLst>
             <pc:docMk/>
             <pc:sldMk cId="0" sldId="288"/>
@@ -677,7 +685,7 @@
           </ac:spMkLst>
         </pc:spChg>
         <pc:spChg chg="add del mod">
-          <ac:chgData name="Tabetha Hopke" userId="5e7e88d54752368c" providerId="LiveId" clId="{4B8B5A81-5E97-495D-A00B-594C05E4DE85}" dt="2018-07-24T18:18:40.376" v="43"/>
+          <ac:chgData name="Tabetha Hopke" userId="5e7e88d54752368c" providerId="LiveId" clId="{4B8B5A81-5E97-495D-A00B-594C05E4DE85}" dt="2018-07-24T18:18:40.376" v="43" actId="1076"/>
           <ac:spMkLst>
             <pc:docMk/>
             <pc:sldMk cId="0" sldId="288"/>
@@ -693,7 +701,7 @@
           </ac:spMkLst>
         </pc:spChg>
         <pc:spChg chg="add del mod">
-          <ac:chgData name="Tabetha Hopke" userId="5e7e88d54752368c" providerId="LiveId" clId="{4B8B5A81-5E97-495D-A00B-594C05E4DE85}" dt="2018-07-24T18:19:05.451" v="61"/>
+          <ac:chgData name="Tabetha Hopke" userId="5e7e88d54752368c" providerId="LiveId" clId="{4B8B5A81-5E97-495D-A00B-594C05E4DE85}" dt="2018-07-24T18:19:05.451" v="61" actId="1076"/>
           <ac:spMkLst>
             <pc:docMk/>
             <pc:sldMk cId="0" sldId="288"/>
@@ -717,7 +725,7 @@
           </ac:picMkLst>
         </pc:picChg>
         <pc:picChg chg="del mod">
-          <ac:chgData name="Tabetha Hopke" userId="5e7e88d54752368c" providerId="LiveId" clId="{4B8B5A81-5E97-495D-A00B-594C05E4DE85}" dt="2018-07-24T18:19:01.690" v="60"/>
+          <ac:chgData name="Tabetha Hopke" userId="5e7e88d54752368c" providerId="LiveId" clId="{4B8B5A81-5E97-495D-A00B-594C05E4DE85}" dt="2018-07-24T18:19:01.690" v="60" actId="1076"/>
           <ac:picMkLst>
             <pc:docMk/>
             <pc:sldMk cId="0" sldId="288"/>
@@ -726,21 +734,29 @@
         </pc:picChg>
       </pc:sldChg>
       <pc:sldChg chg="addSp delSp modSp">
-        <pc:chgData name="Tabetha Hopke" userId="5e7e88d54752368c" providerId="LiveId" clId="{4B8B5A81-5E97-495D-A00B-594C05E4DE85}" dt="2018-07-24T18:18:06.326" v="37"/>
+        <pc:chgData name="Tabetha Hopke" userId="5e7e88d54752368c" providerId="LiveId" clId="{4B8B5A81-5E97-495D-A00B-594C05E4DE85}" dt="2018-07-24T20:23:55.606" v="1502" actId="20577"/>
         <pc:sldMkLst>
           <pc:docMk/>
           <pc:sldMk cId="0" sldId="289"/>
         </pc:sldMkLst>
         <pc:spChg chg="add mod">
-          <ac:chgData name="Tabetha Hopke" userId="5e7e88d54752368c" providerId="LiveId" clId="{4B8B5A81-5E97-495D-A00B-594C05E4DE85}" dt="2018-07-24T18:18:06.326" v="37"/>
+          <ac:chgData name="Tabetha Hopke" userId="5e7e88d54752368c" providerId="LiveId" clId="{4B8B5A81-5E97-495D-A00B-594C05E4DE85}" dt="2018-07-24T18:18:06.326" v="37" actId="255"/>
           <ac:spMkLst>
             <pc:docMk/>
             <pc:sldMk cId="0" sldId="289"/>
             <ac:spMk id="2" creationId="{EE8979F3-5F47-4E82-B863-F405D436DDEC}"/>
           </ac:spMkLst>
         </pc:spChg>
+        <pc:spChg chg="mod">
+          <ac:chgData name="Tabetha Hopke" userId="5e7e88d54752368c" providerId="LiveId" clId="{4B8B5A81-5E97-495D-A00B-594C05E4DE85}" dt="2018-07-24T20:23:55.606" v="1502" actId="20577"/>
+          <ac:spMkLst>
+            <pc:docMk/>
+            <pc:sldMk cId="0" sldId="289"/>
+            <ac:spMk id="73729" creationId="{00000000-0000-0000-0000-000000000000}"/>
+          </ac:spMkLst>
+        </pc:spChg>
         <pc:spChg chg="del mod">
-          <ac:chgData name="Tabetha Hopke" userId="5e7e88d54752368c" providerId="LiveId" clId="{4B8B5A81-5E97-495D-A00B-594C05E4DE85}" dt="2018-07-24T18:18:04.842" v="36"/>
+          <ac:chgData name="Tabetha Hopke" userId="5e7e88d54752368c" providerId="LiveId" clId="{4B8B5A81-5E97-495D-A00B-594C05E4DE85}" dt="2018-07-24T18:18:04.842" v="36" actId="255"/>
           <ac:spMkLst>
             <pc:docMk/>
             <pc:sldMk cId="0" sldId="289"/>
@@ -749,13 +765,13 @@
         </pc:spChg>
       </pc:sldChg>
       <pc:sldChg chg="addSp delSp modSp">
-        <pc:chgData name="Tabetha Hopke" userId="5e7e88d54752368c" providerId="LiveId" clId="{4B8B5A81-5E97-495D-A00B-594C05E4DE85}" dt="2018-07-24T18:17:30.337" v="34"/>
+        <pc:chgData name="Tabetha Hopke" userId="5e7e88d54752368c" providerId="LiveId" clId="{4B8B5A81-5E97-495D-A00B-594C05E4DE85}" dt="2018-07-24T18:17:30.337" v="34" actId="255"/>
         <pc:sldMkLst>
           <pc:docMk/>
           <pc:sldMk cId="0" sldId="294"/>
         </pc:sldMkLst>
         <pc:spChg chg="add mod">
-          <ac:chgData name="Tabetha Hopke" userId="5e7e88d54752368c" providerId="LiveId" clId="{4B8B5A81-5E97-495D-A00B-594C05E4DE85}" dt="2018-07-24T18:17:30.337" v="34"/>
+          <ac:chgData name="Tabetha Hopke" userId="5e7e88d54752368c" providerId="LiveId" clId="{4B8B5A81-5E97-495D-A00B-594C05E4DE85}" dt="2018-07-24T18:17:30.337" v="34" actId="255"/>
           <ac:spMkLst>
             <pc:docMk/>
             <pc:sldMk cId="0" sldId="294"/>
@@ -763,7 +779,7 @@
           </ac:spMkLst>
         </pc:spChg>
         <pc:spChg chg="del mod">
-          <ac:chgData name="Tabetha Hopke" userId="5e7e88d54752368c" providerId="LiveId" clId="{4B8B5A81-5E97-495D-A00B-594C05E4DE85}" dt="2018-07-24T18:17:28.541" v="33"/>
+          <ac:chgData name="Tabetha Hopke" userId="5e7e88d54752368c" providerId="LiveId" clId="{4B8B5A81-5E97-495D-A00B-594C05E4DE85}" dt="2018-07-24T18:17:28.541" v="33" actId="255"/>
           <ac:spMkLst>
             <pc:docMk/>
             <pc:sldMk cId="0" sldId="294"/>
@@ -772,13 +788,13 @@
         </pc:spChg>
       </pc:sldChg>
       <pc:sldChg chg="addSp delSp modSp">
-        <pc:chgData name="Tabetha Hopke" userId="5e7e88d54752368c" providerId="LiveId" clId="{4B8B5A81-5E97-495D-A00B-594C05E4DE85}" dt="2018-07-24T18:35:54.694" v="315"/>
+        <pc:chgData name="Tabetha Hopke" userId="5e7e88d54752368c" providerId="LiveId" clId="{4B8B5A81-5E97-495D-A00B-594C05E4DE85}" dt="2018-07-24T19:56:07.628" v="1089" actId="114"/>
         <pc:sldMkLst>
           <pc:docMk/>
           <pc:sldMk cId="0" sldId="297"/>
         </pc:sldMkLst>
         <pc:spChg chg="add mod">
-          <ac:chgData name="Tabetha Hopke" userId="5e7e88d54752368c" providerId="LiveId" clId="{4B8B5A81-5E97-495D-A00B-594C05E4DE85}" dt="2018-07-24T18:35:54.694" v="315"/>
+          <ac:chgData name="Tabetha Hopke" userId="5e7e88d54752368c" providerId="LiveId" clId="{4B8B5A81-5E97-495D-A00B-594C05E4DE85}" dt="2018-07-24T18:35:54.694" v="315" actId="255"/>
           <ac:spMkLst>
             <pc:docMk/>
             <pc:sldMk cId="0" sldId="297"/>
@@ -793,15 +809,23 @@
             <ac:spMk id="28673" creationId="{00000000-0000-0000-0000-000000000000}"/>
           </ac:spMkLst>
         </pc:spChg>
+        <pc:spChg chg="mod">
+          <ac:chgData name="Tabetha Hopke" userId="5e7e88d54752368c" providerId="LiveId" clId="{4B8B5A81-5E97-495D-A00B-594C05E4DE85}" dt="2018-07-24T19:56:07.628" v="1089" actId="114"/>
+          <ac:spMkLst>
+            <pc:docMk/>
+            <pc:sldMk cId="0" sldId="297"/>
+            <ac:spMk id="28674" creationId="{00000000-0000-0000-0000-000000000000}"/>
+          </ac:spMkLst>
+        </pc:spChg>
       </pc:sldChg>
       <pc:sldChg chg="addSp delSp modSp">
-        <pc:chgData name="Tabetha Hopke" userId="5e7e88d54752368c" providerId="LiveId" clId="{4B8B5A81-5E97-495D-A00B-594C05E4DE85}" dt="2018-07-24T18:27:59.707" v="189"/>
+        <pc:chgData name="Tabetha Hopke" userId="5e7e88d54752368c" providerId="LiveId" clId="{4B8B5A81-5E97-495D-A00B-594C05E4DE85}" dt="2018-07-24T18:27:59.707" v="189" actId="255"/>
         <pc:sldMkLst>
           <pc:docMk/>
           <pc:sldMk cId="0" sldId="299"/>
         </pc:sldMkLst>
         <pc:spChg chg="add mod">
-          <ac:chgData name="Tabetha Hopke" userId="5e7e88d54752368c" providerId="LiveId" clId="{4B8B5A81-5E97-495D-A00B-594C05E4DE85}" dt="2018-07-24T18:27:59.707" v="189"/>
+          <ac:chgData name="Tabetha Hopke" userId="5e7e88d54752368c" providerId="LiveId" clId="{4B8B5A81-5E97-495D-A00B-594C05E4DE85}" dt="2018-07-24T18:27:59.707" v="189" actId="255"/>
           <ac:spMkLst>
             <pc:docMk/>
             <pc:sldMk cId="0" sldId="299"/>
@@ -818,13 +842,13 @@
         </pc:spChg>
       </pc:sldChg>
       <pc:sldChg chg="addSp delSp modSp">
-        <pc:chgData name="Tabetha Hopke" userId="5e7e88d54752368c" providerId="LiveId" clId="{4B8B5A81-5E97-495D-A00B-594C05E4DE85}" dt="2018-07-24T18:27:29.455" v="181"/>
+        <pc:chgData name="Tabetha Hopke" userId="5e7e88d54752368c" providerId="LiveId" clId="{4B8B5A81-5E97-495D-A00B-594C05E4DE85}" dt="2018-07-24T20:17:33.282" v="1218" actId="114"/>
         <pc:sldMkLst>
           <pc:docMk/>
           <pc:sldMk cId="0" sldId="300"/>
         </pc:sldMkLst>
         <pc:spChg chg="add mod">
-          <ac:chgData name="Tabetha Hopke" userId="5e7e88d54752368c" providerId="LiveId" clId="{4B8B5A81-5E97-495D-A00B-594C05E4DE85}" dt="2018-07-24T18:27:29.455" v="181"/>
+          <ac:chgData name="Tabetha Hopke" userId="5e7e88d54752368c" providerId="LiveId" clId="{4B8B5A81-5E97-495D-A00B-594C05E4DE85}" dt="2018-07-24T18:27:29.455" v="181" actId="255"/>
           <ac:spMkLst>
             <pc:docMk/>
             <pc:sldMk cId="0" sldId="300"/>
@@ -840,7 +864,7 @@
           </ac:spMkLst>
         </pc:spChg>
         <pc:spChg chg="mod">
-          <ac:chgData name="Tabetha Hopke" userId="5e7e88d54752368c" providerId="LiveId" clId="{4B8B5A81-5E97-495D-A00B-594C05E4DE85}" dt="2018-07-24T18:26:49.686" v="173" actId="114"/>
+          <ac:chgData name="Tabetha Hopke" userId="5e7e88d54752368c" providerId="LiveId" clId="{4B8B5A81-5E97-495D-A00B-594C05E4DE85}" dt="2018-07-24T20:17:33.282" v="1218" actId="114"/>
           <ac:spMkLst>
             <pc:docMk/>
             <pc:sldMk cId="0" sldId="300"/>
@@ -855,7 +879,7 @@
           <pc:sldMk cId="0" sldId="302"/>
         </pc:sldMkLst>
         <pc:spChg chg="add mod">
-          <ac:chgData name="Tabetha Hopke" userId="5e7e88d54752368c" providerId="LiveId" clId="{4B8B5A81-5E97-495D-A00B-594C05E4DE85}" dt="2018-07-24T18:33:10.249" v="281"/>
+          <ac:chgData name="Tabetha Hopke" userId="5e7e88d54752368c" providerId="LiveId" clId="{4B8B5A81-5E97-495D-A00B-594C05E4DE85}" dt="2018-07-24T18:33:10.249" v="281" actId="20577"/>
           <ac:spMkLst>
             <pc:docMk/>
             <pc:sldMk cId="0" sldId="302"/>
@@ -879,7 +903,7 @@
           </ac:spMkLst>
         </pc:spChg>
         <pc:spChg chg="del mod">
-          <ac:chgData name="Tabetha Hopke" userId="5e7e88d54752368c" providerId="LiveId" clId="{4B8B5A81-5E97-495D-A00B-594C05E4DE85}" dt="2018-07-24T18:33:20.837" v="283"/>
+          <ac:chgData name="Tabetha Hopke" userId="5e7e88d54752368c" providerId="LiveId" clId="{4B8B5A81-5E97-495D-A00B-594C05E4DE85}" dt="2018-07-24T18:33:20.837" v="283" actId="20577"/>
           <ac:spMkLst>
             <pc:docMk/>
             <pc:sldMk cId="0" sldId="302"/>
@@ -888,7 +912,7 @@
         </pc:spChg>
       </pc:sldChg>
       <pc:sldChg chg="addSp delSp modSp">
-        <pc:chgData name="Tabetha Hopke" userId="5e7e88d54752368c" providerId="LiveId" clId="{4B8B5A81-5E97-495D-A00B-594C05E4DE85}" dt="2018-07-24T18:30:07.174" v="217" actId="20577"/>
+        <pc:chgData name="Tabetha Hopke" userId="5e7e88d54752368c" providerId="LiveId" clId="{4B8B5A81-5E97-495D-A00B-594C05E4DE85}" dt="2018-07-24T20:34:06.312" v="1868" actId="20577"/>
         <pc:sldMkLst>
           <pc:docMk/>
           <pc:sldMk cId="0" sldId="304"/>
@@ -910,7 +934,7 @@
           </ac:spMkLst>
         </pc:spChg>
         <pc:spChg chg="add mod">
-          <ac:chgData name="Tabetha Hopke" userId="5e7e88d54752368c" providerId="LiveId" clId="{4B8B5A81-5E97-495D-A00B-594C05E4DE85}" dt="2018-07-24T18:29:22.086" v="206" actId="20577"/>
+          <ac:chgData name="Tabetha Hopke" userId="5e7e88d54752368c" providerId="LiveId" clId="{4B8B5A81-5E97-495D-A00B-594C05E4DE85}" dt="2018-07-24T20:29:52.030" v="1601" actId="20577"/>
           <ac:spMkLst>
             <pc:docMk/>
             <pc:sldMk cId="0" sldId="304"/>
@@ -918,7 +942,7 @@
           </ac:spMkLst>
         </pc:spChg>
         <pc:spChg chg="add del mod">
-          <ac:chgData name="Tabetha Hopke" userId="5e7e88d54752368c" providerId="LiveId" clId="{4B8B5A81-5E97-495D-A00B-594C05E4DE85}" dt="2018-07-24T18:29:58.296" v="213"/>
+          <ac:chgData name="Tabetha Hopke" userId="5e7e88d54752368c" providerId="LiveId" clId="{4B8B5A81-5E97-495D-A00B-594C05E4DE85}" dt="2018-07-24T18:29:58.296" v="213" actId="20577"/>
           <ac:spMkLst>
             <pc:docMk/>
             <pc:sldMk cId="0" sldId="304"/>
@@ -926,7 +950,7 @@
           </ac:spMkLst>
         </pc:spChg>
         <pc:spChg chg="add mod">
-          <ac:chgData name="Tabetha Hopke" userId="5e7e88d54752368c" providerId="LiveId" clId="{4B8B5A81-5E97-495D-A00B-594C05E4DE85}" dt="2018-07-24T18:30:07.174" v="217" actId="20577"/>
+          <ac:chgData name="Tabetha Hopke" userId="5e7e88d54752368c" providerId="LiveId" clId="{4B8B5A81-5E97-495D-A00B-594C05E4DE85}" dt="2018-07-24T20:34:06.312" v="1868" actId="20577"/>
           <ac:spMkLst>
             <pc:docMk/>
             <pc:sldMk cId="0" sldId="304"/>
@@ -941,7 +965,7 @@
           <pc:sldMk cId="0" sldId="306"/>
         </pc:sldMkLst>
         <pc:spChg chg="add mod">
-          <ac:chgData name="Tabetha Hopke" userId="5e7e88d54752368c" providerId="LiveId" clId="{4B8B5A81-5E97-495D-A00B-594C05E4DE85}" dt="2018-07-24T18:17:09.116" v="29"/>
+          <ac:chgData name="Tabetha Hopke" userId="5e7e88d54752368c" providerId="LiveId" clId="{4B8B5A81-5E97-495D-A00B-594C05E4DE85}" dt="2018-07-24T18:17:09.116" v="29" actId="20577"/>
           <ac:spMkLst>
             <pc:docMk/>
             <pc:sldMk cId="0" sldId="306"/>
@@ -949,7 +973,7 @@
           </ac:spMkLst>
         </pc:spChg>
         <pc:spChg chg="del mod">
-          <ac:chgData name="Tabetha Hopke" userId="5e7e88d54752368c" providerId="LiveId" clId="{4B8B5A81-5E97-495D-A00B-594C05E4DE85}" dt="2018-07-24T18:17:06.661" v="28"/>
+          <ac:chgData name="Tabetha Hopke" userId="5e7e88d54752368c" providerId="LiveId" clId="{4B8B5A81-5E97-495D-A00B-594C05E4DE85}" dt="2018-07-24T18:17:06.661" v="28" actId="20577"/>
           <ac:spMkLst>
             <pc:docMk/>
             <pc:sldMk cId="0" sldId="306"/>
@@ -972,7 +996,7 @@
           <pc:sldMk cId="0" sldId="307"/>
         </pc:sldMkLst>
         <pc:spChg chg="add mod">
-          <ac:chgData name="Tabetha Hopke" userId="5e7e88d54752368c" providerId="LiveId" clId="{4B8B5A81-5E97-495D-A00B-594C05E4DE85}" dt="2018-07-24T18:16:33.664" v="22"/>
+          <ac:chgData name="Tabetha Hopke" userId="5e7e88d54752368c" providerId="LiveId" clId="{4B8B5A81-5E97-495D-A00B-594C05E4DE85}" dt="2018-07-24T18:16:33.664" v="22" actId="113"/>
           <ac:spMkLst>
             <pc:docMk/>
             <pc:sldMk cId="0" sldId="307"/>
@@ -980,7 +1004,7 @@
           </ac:spMkLst>
         </pc:spChg>
         <pc:spChg chg="del mod">
-          <ac:chgData name="Tabetha Hopke" userId="5e7e88d54752368c" providerId="LiveId" clId="{4B8B5A81-5E97-495D-A00B-594C05E4DE85}" dt="2018-07-24T18:16:31.306" v="21"/>
+          <ac:chgData name="Tabetha Hopke" userId="5e7e88d54752368c" providerId="LiveId" clId="{4B8B5A81-5E97-495D-A00B-594C05E4DE85}" dt="2018-07-24T18:16:31.306" v="21" actId="113"/>
           <ac:spMkLst>
             <pc:docMk/>
             <pc:sldMk cId="0" sldId="307"/>
@@ -996,14 +1020,52 @@
           </ac:spMkLst>
         </pc:spChg>
       </pc:sldChg>
+      <pc:sldChg chg="modSp">
+        <pc:chgData name="Tabetha Hopke" userId="5e7e88d54752368c" providerId="LiveId" clId="{4B8B5A81-5E97-495D-A00B-594C05E4DE85}" dt="2018-07-24T19:49:59.867" v="1043" actId="20577"/>
+        <pc:sldMkLst>
+          <pc:docMk/>
+          <pc:sldMk cId="2372739410" sldId="309"/>
+        </pc:sldMkLst>
+        <pc:spChg chg="mod">
+          <ac:chgData name="Tabetha Hopke" userId="5e7e88d54752368c" providerId="LiveId" clId="{4B8B5A81-5E97-495D-A00B-594C05E4DE85}" dt="2018-07-24T19:49:59.867" v="1043" actId="20577"/>
+          <ac:spMkLst>
+            <pc:docMk/>
+            <pc:sldMk cId="2372739410" sldId="309"/>
+            <ac:spMk id="2" creationId="{00000000-0000-0000-0000-000000000000}"/>
+          </ac:spMkLst>
+        </pc:spChg>
+        <pc:spChg chg="mod">
+          <ac:chgData name="Tabetha Hopke" userId="5e7e88d54752368c" providerId="LiveId" clId="{4B8B5A81-5E97-495D-A00B-594C05E4DE85}" dt="2018-07-24T19:47:25.867" v="857" actId="20577"/>
+          <ac:spMkLst>
+            <pc:docMk/>
+            <pc:sldMk cId="2372739410" sldId="309"/>
+            <ac:spMk id="3" creationId="{00000000-0000-0000-0000-000000000000}"/>
+          </ac:spMkLst>
+        </pc:spChg>
+      </pc:sldChg>
+      <pc:sldChg chg="modSp">
+        <pc:chgData name="Tabetha Hopke" userId="5e7e88d54752368c" providerId="LiveId" clId="{4B8B5A81-5E97-495D-A00B-594C05E4DE85}" dt="2018-07-24T19:51:03.706" v="1059" actId="20577"/>
+        <pc:sldMkLst>
+          <pc:docMk/>
+          <pc:sldMk cId="1011568325" sldId="310"/>
+        </pc:sldMkLst>
+        <pc:spChg chg="mod">
+          <ac:chgData name="Tabetha Hopke" userId="5e7e88d54752368c" providerId="LiveId" clId="{4B8B5A81-5E97-495D-A00B-594C05E4DE85}" dt="2018-07-24T19:51:03.706" v="1059" actId="20577"/>
+          <ac:spMkLst>
+            <pc:docMk/>
+            <pc:sldMk cId="1011568325" sldId="310"/>
+            <ac:spMk id="3" creationId="{00000000-0000-0000-0000-000000000000}"/>
+          </ac:spMkLst>
+        </pc:spChg>
+      </pc:sldChg>
       <pc:sldChg chg="addSp delSp modSp">
-        <pc:chgData name="Tabetha Hopke" userId="5e7e88d54752368c" providerId="LiveId" clId="{4B8B5A81-5E97-495D-A00B-594C05E4DE85}" dt="2018-07-24T18:37:38.082" v="337" actId="113"/>
+        <pc:chgData name="Tabetha Hopke" userId="5e7e88d54752368c" providerId="LiveId" clId="{4B8B5A81-5E97-495D-A00B-594C05E4DE85}" dt="2018-07-24T19:53:33.932" v="1066" actId="20577"/>
         <pc:sldMkLst>
           <pc:docMk/>
           <pc:sldMk cId="1528046610" sldId="311"/>
         </pc:sldMkLst>
         <pc:spChg chg="add mod">
-          <ac:chgData name="Tabetha Hopke" userId="5e7e88d54752368c" providerId="LiveId" clId="{4B8B5A81-5E97-495D-A00B-594C05E4DE85}" dt="2018-07-24T18:37:27.547" v="334"/>
+          <ac:chgData name="Tabetha Hopke" userId="5e7e88d54752368c" providerId="LiveId" clId="{4B8B5A81-5E97-495D-A00B-594C05E4DE85}" dt="2018-07-24T18:37:27.547" v="334" actId="113"/>
           <ac:spMkLst>
             <pc:docMk/>
             <pc:sldMk cId="1528046610" sldId="311"/>
@@ -1019,7 +1081,7 @@
           </ac:spMkLst>
         </pc:spChg>
         <pc:spChg chg="mod">
-          <ac:chgData name="Tabetha Hopke" userId="5e7e88d54752368c" providerId="LiveId" clId="{4B8B5A81-5E97-495D-A00B-594C05E4DE85}" dt="2018-07-24T18:37:38.082" v="337" actId="113"/>
+          <ac:chgData name="Tabetha Hopke" userId="5e7e88d54752368c" providerId="LiveId" clId="{4B8B5A81-5E97-495D-A00B-594C05E4DE85}" dt="2018-07-24T19:53:33.932" v="1066" actId="20577"/>
           <ac:spMkLst>
             <pc:docMk/>
             <pc:sldMk cId="1528046610" sldId="311"/>
@@ -1028,13 +1090,13 @@
         </pc:spChg>
       </pc:sldChg>
       <pc:sldChg chg="addSp delSp modSp">
-        <pc:chgData name="Tabetha Hopke" userId="5e7e88d54752368c" providerId="LiveId" clId="{4B8B5A81-5E97-495D-A00B-594C05E4DE85}" dt="2018-07-24T18:36:31.761" v="319"/>
+        <pc:chgData name="Tabetha Hopke" userId="5e7e88d54752368c" providerId="LiveId" clId="{4B8B5A81-5E97-495D-A00B-594C05E4DE85}" dt="2018-07-24T18:36:31.761" v="319" actId="255"/>
         <pc:sldMkLst>
           <pc:docMk/>
           <pc:sldMk cId="622887160" sldId="312"/>
         </pc:sldMkLst>
         <pc:spChg chg="add mod">
-          <ac:chgData name="Tabetha Hopke" userId="5e7e88d54752368c" providerId="LiveId" clId="{4B8B5A81-5E97-495D-A00B-594C05E4DE85}" dt="2018-07-24T18:36:31.761" v="319"/>
+          <ac:chgData name="Tabetha Hopke" userId="5e7e88d54752368c" providerId="LiveId" clId="{4B8B5A81-5E97-495D-A00B-594C05E4DE85}" dt="2018-07-24T18:36:31.761" v="319" actId="255"/>
           <ac:spMkLst>
             <pc:docMk/>
             <pc:sldMk cId="622887160" sldId="312"/>
@@ -1047,6 +1109,36 @@
             <pc:docMk/>
             <pc:sldMk cId="622887160" sldId="312"/>
             <ac:spMk id="26626" creationId="{00000000-0000-0000-0000-000000000000}"/>
+          </ac:spMkLst>
+        </pc:spChg>
+      </pc:sldChg>
+      <pc:sldChg chg="modSp">
+        <pc:chgData name="Tabetha Hopke" userId="5e7e88d54752368c" providerId="LiveId" clId="{4B8B5A81-5E97-495D-A00B-594C05E4DE85}" dt="2018-07-24T20:10:31.378" v="1205" actId="113"/>
+        <pc:sldMkLst>
+          <pc:docMk/>
+          <pc:sldMk cId="1570682612" sldId="313"/>
+        </pc:sldMkLst>
+        <pc:spChg chg="mod">
+          <ac:chgData name="Tabetha Hopke" userId="5e7e88d54752368c" providerId="LiveId" clId="{4B8B5A81-5E97-495D-A00B-594C05E4DE85}" dt="2018-07-24T20:10:31.378" v="1205" actId="113"/>
+          <ac:spMkLst>
+            <pc:docMk/>
+            <pc:sldMk cId="1570682612" sldId="313"/>
+            <ac:spMk id="3" creationId="{00000000-0000-0000-0000-000000000000}"/>
+          </ac:spMkLst>
+        </pc:spChg>
+      </pc:sldChg>
+      <pc:sldChg chg="modSp">
+        <pc:chgData name="Tabetha Hopke" userId="5e7e88d54752368c" providerId="LiveId" clId="{4B8B5A81-5E97-495D-A00B-594C05E4DE85}" dt="2018-07-24T20:10:42.563" v="1208" actId="20577"/>
+        <pc:sldMkLst>
+          <pc:docMk/>
+          <pc:sldMk cId="2493754433" sldId="314"/>
+        </pc:sldMkLst>
+        <pc:spChg chg="mod">
+          <ac:chgData name="Tabetha Hopke" userId="5e7e88d54752368c" providerId="LiveId" clId="{4B8B5A81-5E97-495D-A00B-594C05E4DE85}" dt="2018-07-24T20:10:42.563" v="1208" actId="20577"/>
+          <ac:spMkLst>
+            <pc:docMk/>
+            <pc:sldMk cId="2493754433" sldId="314"/>
+            <ac:spMk id="3" creationId="{00000000-0000-0000-0000-000000000000}"/>
           </ac:spMkLst>
         </pc:spChg>
       </pc:sldChg>
@@ -1066,7 +1158,7 @@
         </pc:spChg>
       </pc:sldChg>
       <pc:sldChg chg="addSp delSp modSp">
-        <pc:chgData name="Tabetha Hopke" userId="5e7e88d54752368c" providerId="LiveId" clId="{4B8B5A81-5E97-495D-A00B-594C05E4DE85}" dt="2018-07-24T18:33:43.714" v="293" actId="27636"/>
+        <pc:chgData name="Tabetha Hopke" userId="5e7e88d54752368c" providerId="LiveId" clId="{4B8B5A81-5E97-495D-A00B-594C05E4DE85}" dt="2018-07-24T18:57:11.561" v="655" actId="20577"/>
         <pc:sldMkLst>
           <pc:docMk/>
           <pc:sldMk cId="221108699" sldId="316"/>
@@ -1087,15 +1179,23 @@
             <ac:spMk id="4" creationId="{00000000-0000-0000-0000-000000000000}"/>
           </ac:spMkLst>
         </pc:spChg>
+        <pc:graphicFrameChg chg="modGraphic">
+          <ac:chgData name="Tabetha Hopke" userId="5e7e88d54752368c" providerId="LiveId" clId="{4B8B5A81-5E97-495D-A00B-594C05E4DE85}" dt="2018-07-24T18:57:11.561" v="655" actId="20577"/>
+          <ac:graphicFrameMkLst>
+            <pc:docMk/>
+            <pc:sldMk cId="221108699" sldId="316"/>
+            <ac:graphicFrameMk id="5" creationId="{00000000-0000-0000-0000-000000000000}"/>
+          </ac:graphicFrameMkLst>
+        </pc:graphicFrameChg>
       </pc:sldChg>
       <pc:sldChg chg="addSp delSp modSp">
-        <pc:chgData name="Tabetha Hopke" userId="5e7e88d54752368c" providerId="LiveId" clId="{4B8B5A81-5E97-495D-A00B-594C05E4DE85}" dt="2018-07-24T18:27:42.780" v="185"/>
+        <pc:chgData name="Tabetha Hopke" userId="5e7e88d54752368c" providerId="LiveId" clId="{4B8B5A81-5E97-495D-A00B-594C05E4DE85}" dt="2018-07-24T20:10:10.213" v="1203" actId="114"/>
         <pc:sldMkLst>
           <pc:docMk/>
           <pc:sldMk cId="1821033649" sldId="318"/>
         </pc:sldMkLst>
         <pc:spChg chg="add mod">
-          <ac:chgData name="Tabetha Hopke" userId="5e7e88d54752368c" providerId="LiveId" clId="{4B8B5A81-5E97-495D-A00B-594C05E4DE85}" dt="2018-07-24T18:27:42.780" v="185"/>
+          <ac:chgData name="Tabetha Hopke" userId="5e7e88d54752368c" providerId="LiveId" clId="{4B8B5A81-5E97-495D-A00B-594C05E4DE85}" dt="2018-07-24T18:27:42.780" v="185" actId="255"/>
           <ac:spMkLst>
             <pc:docMk/>
             <pc:sldMk cId="1821033649" sldId="318"/>
@@ -1111,7 +1211,7 @@
           </ac:spMkLst>
         </pc:spChg>
         <pc:spChg chg="mod">
-          <ac:chgData name="Tabetha Hopke" userId="5e7e88d54752368c" providerId="LiveId" clId="{4B8B5A81-5E97-495D-A00B-594C05E4DE85}" dt="2018-07-24T18:25:20.064" v="161" actId="20577"/>
+          <ac:chgData name="Tabetha Hopke" userId="5e7e88d54752368c" providerId="LiveId" clId="{4B8B5A81-5E97-495D-A00B-594C05E4DE85}" dt="2018-07-24T20:10:10.213" v="1203" actId="114"/>
           <ac:spMkLst>
             <pc:docMk/>
             <pc:sldMk cId="1821033649" sldId="318"/>
@@ -1120,13 +1220,13 @@
         </pc:spChg>
       </pc:sldChg>
       <pc:sldChg chg="addSp delSp modSp">
-        <pc:chgData name="Tabetha Hopke" userId="5e7e88d54752368c" providerId="LiveId" clId="{4B8B5A81-5E97-495D-A00B-594C05E4DE85}" dt="2018-07-24T18:27:14.612" v="177"/>
+        <pc:chgData name="Tabetha Hopke" userId="5e7e88d54752368c" providerId="LiveId" clId="{4B8B5A81-5E97-495D-A00B-594C05E4DE85}" dt="2018-07-24T20:08:38.156" v="1200" actId="20577"/>
         <pc:sldMkLst>
           <pc:docMk/>
           <pc:sldMk cId="1821033649" sldId="319"/>
         </pc:sldMkLst>
         <pc:spChg chg="add mod">
-          <ac:chgData name="Tabetha Hopke" userId="5e7e88d54752368c" providerId="LiveId" clId="{4B8B5A81-5E97-495D-A00B-594C05E4DE85}" dt="2018-07-24T18:27:14.612" v="177"/>
+          <ac:chgData name="Tabetha Hopke" userId="5e7e88d54752368c" providerId="LiveId" clId="{4B8B5A81-5E97-495D-A00B-594C05E4DE85}" dt="2018-07-24T18:27:14.612" v="177" actId="255"/>
           <ac:spMkLst>
             <pc:docMk/>
             <pc:sldMk cId="1821033649" sldId="319"/>
@@ -1142,7 +1242,7 @@
           </ac:spMkLst>
         </pc:spChg>
         <pc:spChg chg="mod">
-          <ac:chgData name="Tabetha Hopke" userId="5e7e88d54752368c" providerId="LiveId" clId="{4B8B5A81-5E97-495D-A00B-594C05E4DE85}" dt="2018-07-24T18:26:23.044" v="170" actId="114"/>
+          <ac:chgData name="Tabetha Hopke" userId="5e7e88d54752368c" providerId="LiveId" clId="{4B8B5A81-5E97-495D-A00B-594C05E4DE85}" dt="2018-07-24T20:08:38.156" v="1200" actId="20577"/>
           <ac:spMkLst>
             <pc:docMk/>
             <pc:sldMk cId="1821033649" sldId="319"/>
@@ -1151,13 +1251,36 @@
         </pc:spChg>
       </pc:sldChg>
       <pc:sldChg chg="modSp">
-        <pc:chgData name="Tabetha Hopke" userId="5e7e88d54752368c" providerId="LiveId" clId="{4B8B5A81-5E97-495D-A00B-594C05E4DE85}" dt="2018-07-24T18:16:11.719" v="19" actId="1076"/>
+        <pc:chgData name="Tabetha Hopke" userId="5e7e88d54752368c" providerId="LiveId" clId="{4B8B5A81-5E97-495D-A00B-594C05E4DE85}" dt="2018-07-24T21:50:19.164" v="1922" actId="5793"/>
+        <pc:sldMkLst>
+          <pc:docMk/>
+          <pc:sldMk cId="895722263" sldId="321"/>
+        </pc:sldMkLst>
+        <pc:spChg chg="mod">
+          <ac:chgData name="Tabetha Hopke" userId="5e7e88d54752368c" providerId="LiveId" clId="{4B8B5A81-5E97-495D-A00B-594C05E4DE85}" dt="2018-07-24T21:50:19.164" v="1922" actId="5793"/>
+          <ac:spMkLst>
+            <pc:docMk/>
+            <pc:sldMk cId="895722263" sldId="321"/>
+            <ac:spMk id="3" creationId="{00000000-0000-0000-0000-000000000000}"/>
+          </ac:spMkLst>
+        </pc:spChg>
+      </pc:sldChg>
+      <pc:sldChg chg="addSp delSp modSp modNotesTx">
+        <pc:chgData name="Tabetha Hopke" userId="5e7e88d54752368c" providerId="LiveId" clId="{4B8B5A81-5E97-495D-A00B-594C05E4DE85}" dt="2018-07-24T20:36:37.069" v="1877" actId="20577"/>
         <pc:sldMkLst>
           <pc:docMk/>
           <pc:sldMk cId="865499525" sldId="322"/>
         </pc:sldMkLst>
-        <pc:picChg chg="mod">
-          <ac:chgData name="Tabetha Hopke" userId="5e7e88d54752368c" providerId="LiveId" clId="{4B8B5A81-5E97-495D-A00B-594C05E4DE85}" dt="2018-07-24T18:16:11.719" v="19" actId="1076"/>
+        <pc:picChg chg="add mod">
+          <ac:chgData name="Tabetha Hopke" userId="5e7e88d54752368c" providerId="LiveId" clId="{4B8B5A81-5E97-495D-A00B-594C05E4DE85}" dt="2018-07-24T20:25:34.912" v="1508" actId="1076"/>
+          <ac:picMkLst>
+            <pc:docMk/>
+            <pc:sldMk cId="865499525" sldId="322"/>
+            <ac:picMk id="3" creationId="{054502BB-EFD8-4C18-ADB9-C5453592B93C}"/>
+          </ac:picMkLst>
+        </pc:picChg>
+        <pc:picChg chg="del mod">
+          <ac:chgData name="Tabetha Hopke" userId="5e7e88d54752368c" providerId="LiveId" clId="{4B8B5A81-5E97-495D-A00B-594C05E4DE85}" dt="2018-07-24T20:24:14.215" v="1503" actId="478"/>
           <ac:picMkLst>
             <pc:docMk/>
             <pc:sldMk cId="865499525" sldId="322"/>
@@ -2907,11 +3030,14 @@
           <a:lstStyle/>
           <a:p>
             <a:pPr eaLnBrk="1" hangingPunct="1"/>
-            <a:endParaRPr lang="en-US">
-              <a:latin typeface="Lucida Grande"/>
-              <a:ea typeface="Geneva"/>
-              <a:cs typeface="Geneva"/>
-            </a:endParaRPr>
+            <a:r>
+              <a:rPr lang="en-US" dirty="0">
+                <a:latin typeface="Lucida Grande"/>
+                <a:ea typeface="Geneva"/>
+                <a:cs typeface="Geneva"/>
+              </a:rPr>
+              <a:t>Need new example here</a:t>
+            </a:r>
           </a:p>
         </p:txBody>
       </p:sp>
@@ -3571,6 +3697,99 @@
 </p:notes>
 </file>
 
+<file path=ppt/notesSlides/notesSlide26.xml><?xml version="1.0" encoding="utf-8"?>
+<p:notes xmlns:a="http://schemas.openxmlformats.org/drawingml/2006/main" xmlns:r="http://schemas.openxmlformats.org/officeDocument/2006/relationships" xmlns:p="http://schemas.openxmlformats.org/presentationml/2006/main">
+  <p:cSld>
+    <p:spTree>
+      <p:nvGrpSpPr>
+        <p:cNvPr id="1" name=""/>
+        <p:cNvGrpSpPr/>
+        <p:nvPr/>
+      </p:nvGrpSpPr>
+      <p:grpSpPr>
+        <a:xfrm>
+          <a:off x="0" y="0"/>
+          <a:ext cx="0" cy="0"/>
+          <a:chOff x="0" y="0"/>
+          <a:chExt cx="0" cy="0"/>
+        </a:xfrm>
+      </p:grpSpPr>
+      <p:sp>
+        <p:nvSpPr>
+          <p:cNvPr id="2" name="Slide Image Placeholder 1"/>
+          <p:cNvSpPr>
+            <a:spLocks noGrp="1" noRot="1" noChangeAspect="1"/>
+          </p:cNvSpPr>
+          <p:nvPr>
+            <p:ph type="sldImg"/>
+          </p:nvPr>
+        </p:nvSpPr>
+        <p:spPr/>
+      </p:sp>
+      <p:sp>
+        <p:nvSpPr>
+          <p:cNvPr id="3" name="Notes Placeholder 2"/>
+          <p:cNvSpPr>
+            <a:spLocks noGrp="1"/>
+          </p:cNvSpPr>
+          <p:nvPr>
+            <p:ph type="body" idx="1"/>
+          </p:nvPr>
+        </p:nvSpPr>
+        <p:spPr/>
+        <p:txBody>
+          <a:bodyPr/>
+          <a:lstStyle/>
+          <a:p>
+            <a:r>
+              <a:rPr lang="en-US" dirty="0"/>
+              <a:t>Effect sizes for different studies on post traumatic growth due to expressive writing; since they are all really close to zero, probably not much of an effect</a:t>
+            </a:r>
+          </a:p>
+        </p:txBody>
+      </p:sp>
+      <p:sp>
+        <p:nvSpPr>
+          <p:cNvPr id="4" name="Slide Number Placeholder 3"/>
+          <p:cNvSpPr>
+            <a:spLocks noGrp="1"/>
+          </p:cNvSpPr>
+          <p:nvPr>
+            <p:ph type="sldNum" sz="quarter" idx="10"/>
+          </p:nvPr>
+        </p:nvSpPr>
+        <p:spPr/>
+        <p:txBody>
+          <a:bodyPr/>
+          <a:lstStyle/>
+          <a:p>
+            <a:pPr>
+              <a:defRPr/>
+            </a:pPr>
+            <a:fld id="{44FAADB7-C020-4724-A710-C0F58E6D8604}" type="slidenum">
+              <a:rPr lang="en-US" smtClean="0"/>
+              <a:pPr>
+                <a:defRPr/>
+              </a:pPr>
+              <a:t>38</a:t>
+            </a:fld>
+            <a:endParaRPr lang="en-US"/>
+          </a:p>
+        </p:txBody>
+      </p:sp>
+    </p:spTree>
+    <p:extLst>
+      <p:ext uri="{BB962C8B-B14F-4D97-AF65-F5344CB8AC3E}">
+        <p14:creationId xmlns:p14="http://schemas.microsoft.com/office/powerpoint/2010/main" val="3734077203"/>
+      </p:ext>
+    </p:extLst>
+  </p:cSld>
+  <p:clrMapOvr>
+    <a:masterClrMapping/>
+  </p:clrMapOvr>
+</p:notes>
+</file>
+
 <file path=ppt/notesSlides/notesSlide3.xml><?xml version="1.0" encoding="utf-8"?>
 <p:notes xmlns:a="http://schemas.openxmlformats.org/drawingml/2006/main" xmlns:r="http://schemas.openxmlformats.org/officeDocument/2006/relationships" xmlns:p="http://schemas.openxmlformats.org/presentationml/2006/main">
   <p:cSld>
@@ -3830,11 +4049,43 @@
           <a:bodyPr/>
           <a:lstStyle/>
           <a:p>
-            <a:endParaRPr lang="en-US">
-              <a:latin typeface="Lucida Grande"/>
-              <a:ea typeface="Geneva"/>
-              <a:cs typeface="Geneva"/>
-            </a:endParaRPr>
+            <a:pPr marL="0" marR="0" lvl="0" indent="0" algn="l" defTabSz="914400" rtl="0" eaLnBrk="0" fontAlgn="base" latinLnBrk="0" hangingPunct="0">
+              <a:lnSpc>
+                <a:spcPct val="100000"/>
+              </a:lnSpc>
+              <a:spcBef>
+                <a:spcPct val="30000"/>
+              </a:spcBef>
+              <a:spcAft>
+                <a:spcPct val="0"/>
+              </a:spcAft>
+              <a:buClrTx/>
+              <a:buSzTx/>
+              <a:buFontTx/>
+              <a:buNone/>
+              <a:tabLst/>
+              <a:defRPr/>
+            </a:pPr>
+            <a:r>
+              <a:rPr lang="en-US" dirty="0"/>
+              <a:t>Hint: that matches </a:t>
+            </a:r>
+            <a:r>
+              <a:rPr lang="en-US" i="1" dirty="0"/>
+              <a:t>p </a:t>
+            </a:r>
+            <a:r>
+              <a:rPr lang="en-US" dirty="0"/>
+              <a:t>&lt; .05, </a:t>
+            </a:r>
+            <a:r>
+              <a:rPr lang="en-US" i="1" dirty="0"/>
+              <a:t>p </a:t>
+            </a:r>
+            <a:r>
+              <a:rPr lang="en-US" dirty="0"/>
+              <a:t>&lt; .01</a:t>
+            </a:r>
           </a:p>
         </p:txBody>
       </p:sp>
@@ -8224,14 +8475,22 @@
             <a:pPr lvl="1"/>
             <a:r>
               <a:rPr lang="en-US" dirty="0"/>
-              <a:t>Take a z-score where 95% of the data is in the middle of the distribution</a:t>
+              <a:t>Take a </a:t>
+            </a:r>
+            <a:r>
+              <a:rPr lang="en-US" i="1" dirty="0"/>
+              <a:t>z</a:t>
+            </a:r>
+            <a:r>
+              <a:rPr lang="en-US" dirty="0"/>
+              <a:t>-score where 95% of the data is in the middle of the distribution</a:t>
             </a:r>
           </a:p>
           <a:p>
             <a:pPr lvl="1"/>
             <a:r>
               <a:rPr lang="en-US" dirty="0"/>
-              <a:t>Translate that back to a raw score to match the mean.</a:t>
+              <a:t>Translate that back to a raw score to match the mean</a:t>
             </a:r>
           </a:p>
           <a:p>
@@ -8318,7 +8577,7 @@
           <a:p>
             <a:r>
               <a:rPr lang="en-US" dirty="0"/>
-              <a:t>Step 1: Draw a picture of a distribution that will include confidence intervals</a:t>
+              <a:t>Step 1: Draw a picture of a distribution that will include confidence intervals (CIs)</a:t>
             </a:r>
           </a:p>
           <a:p>
@@ -8330,13 +8589,29 @@
           <a:p>
             <a:r>
               <a:rPr lang="en-US" dirty="0"/>
-              <a:t>Step 3: Determine the z statistics that fall at each line marking the middle 95%</a:t>
-            </a:r>
-          </a:p>
-          <a:p>
-            <a:r>
-              <a:rPr lang="en-US" dirty="0"/>
-              <a:t>Step 4: Turn the z statistic back into raw means</a:t>
+              <a:t>Step 3: Determine the </a:t>
+            </a:r>
+            <a:r>
+              <a:rPr lang="en-US" i="1" dirty="0"/>
+              <a:t>z</a:t>
+            </a:r>
+            <a:r>
+              <a:rPr lang="en-US" dirty="0"/>
+              <a:t> statistics that fall at each line marking the middle 95%</a:t>
+            </a:r>
+          </a:p>
+          <a:p>
+            <a:r>
+              <a:rPr lang="en-US" dirty="0"/>
+              <a:t>Step 4: Turn the </a:t>
+            </a:r>
+            <a:r>
+              <a:rPr lang="en-US" i="1" dirty="0"/>
+              <a:t>z </a:t>
+            </a:r>
+            <a:r>
+              <a:rPr lang="en-US" dirty="0"/>
+              <a:t>statistic back into raw means</a:t>
             </a:r>
           </a:p>
           <a:p>
@@ -8436,12 +8711,16 @@
               <a:t>M</a:t>
             </a:r>
             <a:r>
-              <a:rPr lang="en-US" i="1" baseline="-25000" dirty="0" err="1"/>
+              <a:rPr lang="en-US" baseline="-25000" dirty="0" err="1"/>
               <a:t>lower</a:t>
             </a:r>
             <a:r>
               <a:rPr lang="en-US" dirty="0"/>
-              <a:t> = - </a:t>
+              <a:t> =  </a:t>
+            </a:r>
+            <a:r>
+              <a:rPr lang="en-US" b="1" dirty="0"/>
+              <a:t>-</a:t>
             </a:r>
             <a:r>
               <a:rPr lang="en-US" i="1" dirty="0"/>
@@ -8468,10 +8747,10 @@
               <a:t>M</a:t>
             </a:r>
             <a:r>
-              <a:rPr lang="en-US" i="1" baseline="-25000" dirty="0" err="1"/>
+              <a:rPr lang="en-US" baseline="-25000" dirty="0" err="1"/>
               <a:t>sample</a:t>
             </a:r>
-            <a:endParaRPr lang="en-US" i="1" baseline="-25000" dirty="0"/>
+            <a:endParaRPr lang="en-US" baseline="-25000" dirty="0"/>
           </a:p>
           <a:p>
             <a:pPr eaLnBrk="1" hangingPunct="1">
@@ -8494,12 +8773,12 @@
               <a:t>M</a:t>
             </a:r>
             <a:r>
-              <a:rPr lang="en-US" i="1" baseline="-25000" dirty="0" err="1"/>
+              <a:rPr lang="en-US" baseline="-25000" dirty="0" err="1"/>
               <a:t>upper</a:t>
             </a:r>
             <a:r>
               <a:rPr lang="en-US" dirty="0"/>
-              <a:t> = </a:t>
+              <a:t> =  </a:t>
             </a:r>
             <a:r>
               <a:rPr lang="en-US" i="1" dirty="0"/>
@@ -8526,10 +8805,10 @@
               <a:t>M</a:t>
             </a:r>
             <a:r>
-              <a:rPr lang="en-US" i="1" baseline="-25000" dirty="0" err="1"/>
+              <a:rPr lang="en-US" baseline="-25000" dirty="0" err="1"/>
               <a:t>sample</a:t>
             </a:r>
-            <a:endParaRPr lang="en-US" i="1" baseline="-25000" dirty="0"/>
+            <a:endParaRPr lang="en-US" baseline="-25000" dirty="0"/>
           </a:p>
           <a:p>
             <a:pPr eaLnBrk="1" hangingPunct="1">
@@ -8883,7 +9162,7 @@
             <p:ph idx="1"/>
             <p:extLst>
               <p:ext uri="{D42A27DB-BD31-4B8C-83A1-F6EECF244321}">
-                <p14:modId xmlns:p14="http://schemas.microsoft.com/office/powerpoint/2010/main" val="4208420067"/>
+                <p14:modId xmlns:p14="http://schemas.microsoft.com/office/powerpoint/2010/main" val="4229181594"/>
               </p:ext>
             </p:extLst>
           </p:nvPr>
@@ -9009,6 +9288,12 @@
                         <a:rPr lang="en-US" baseline="0" dirty="0"/>
                         <a:t> May not have enough people in study</a:t>
                       </a:r>
+                    </a:p>
+                    <a:p>
+                      <a:r>
+                        <a:rPr lang="en-US" baseline="0" dirty="0"/>
+                        <a:t>(Type II error)</a:t>
+                      </a:r>
                       <a:endParaRPr lang="en-US" dirty="0"/>
                     </a:p>
                   </a:txBody>
@@ -9045,7 +9330,13 @@
                       </a:r>
                       <a:r>
                         <a:rPr lang="en-US" baseline="0" dirty="0"/>
-                        <a:t> rejection (Type 1)</a:t>
+                        <a:t> rejection </a:t>
+                      </a:r>
+                    </a:p>
+                    <a:p>
+                      <a:r>
+                        <a:rPr lang="en-US" baseline="0" dirty="0"/>
+                        <a:t>(Type I)</a:t>
                       </a:r>
                       <a:endParaRPr lang="en-US" dirty="0"/>
                     </a:p>
@@ -9063,7 +9354,7 @@
                       </a:r>
                       <a:r>
                         <a:rPr lang="en-US" baseline="0" dirty="0"/>
-                        <a:t> and we found it! (power).</a:t>
+                        <a:t> and we found it! (power)</a:t>
                       </a:r>
                       <a:endParaRPr lang="en-US" dirty="0"/>
                     </a:p>
@@ -9362,7 +9653,7 @@
           <a:p>
             <a:r>
               <a:rPr lang="en-US" dirty="0"/>
-              <a:t>Effect Size and Standard Deviation</a:t>
+              <a:t>Effect Size &amp; Standard Deviation</a:t>
             </a:r>
           </a:p>
         </p:txBody>
@@ -9490,8 +9781,13 @@
           <a:p>
             <a:r>
               <a:rPr lang="en-US" dirty="0"/>
-              <a:t>The Dangers of NHST</a:t>
-            </a:r>
+              <a:t>The Dangers of </a:t>
+            </a:r>
+            <a:r>
+              <a:rPr lang="en-US" dirty="0" err="1"/>
+              <a:t>NHST</a:t>
+            </a:r>
+            <a:endParaRPr lang="en-US" dirty="0"/>
           </a:p>
         </p:txBody>
       </p:sp>
@@ -9515,23 +9811,19 @@
               <a:t>We already discussed that statistically significant </a:t>
             </a:r>
             <a:r>
-              <a:rPr lang="en-US" i="1" dirty="0"/>
-              <a:t>does not</a:t>
-            </a:r>
-            <a:r>
-              <a:rPr lang="en-US" dirty="0"/>
-              <a:t> always mean practically important.</a:t>
+              <a:rPr lang="en-US" b="1" dirty="0"/>
+              <a:t>does not </a:t>
+            </a:r>
+            <a:r>
+              <a:rPr lang="en-US" dirty="0"/>
+              <a:t>always mean practically important</a:t>
             </a:r>
           </a:p>
           <a:p>
             <a:pPr lvl="1"/>
             <a:r>
               <a:rPr lang="en-US" dirty="0"/>
-              <a:t>Be especially skeptical if they have very large sample sizes (without any of the information presented in </a:t>
-            </a:r>
-            <a:r>
-              <a:rPr lang="en-US"/>
-              <a:t>this chapter).</a:t>
+              <a:t>Be especially skeptical if they have very large sample sizes (without any of the information presented in this chapter)</a:t>
             </a:r>
           </a:p>
         </p:txBody>
@@ -9612,7 +9904,9 @@
         </p:nvSpPr>
         <p:spPr/>
         <p:txBody>
-          <a:bodyPr/>
+          <a:bodyPr>
+            <a:normAutofit/>
+          </a:bodyPr>
           <a:lstStyle/>
           <a:p>
             <a:r>
@@ -9621,22 +9915,46 @@
             </a:r>
           </a:p>
           <a:p>
-            <a:r>
-              <a:rPr lang="en-US" dirty="0"/>
-              <a:t>   1.  Their means are farther apart</a:t>
-            </a:r>
-          </a:p>
-          <a:p>
-            <a:r>
-              <a:rPr lang="en-US" dirty="0"/>
-              <a:t>   2.  The variation within each population is smaller</a:t>
-            </a:r>
-          </a:p>
-          <a:p>
-            <a:pPr marL="0" indent="0">
-              <a:buNone/>
-            </a:pPr>
-            <a:endParaRPr lang="en-US" dirty="0"/>
+            <a:pPr lvl="1"/>
+            <a:r>
+              <a:rPr lang="en-US" dirty="0"/>
+              <a:t>1. Larger difference between means = larger effect</a:t>
+            </a:r>
+          </a:p>
+          <a:p>
+            <a:pPr lvl="2"/>
+            <a:r>
+              <a:rPr lang="en-US" dirty="0"/>
+              <a:t>The average scores of the populations are further apart</a:t>
+            </a:r>
+          </a:p>
+          <a:p>
+            <a:pPr lvl="2"/>
+            <a:r>
+              <a:rPr lang="en-US" dirty="0"/>
+              <a:t>See slide 18</a:t>
+            </a:r>
+          </a:p>
+          <a:p>
+            <a:pPr lvl="1"/>
+            <a:r>
+              <a:rPr lang="en-US" dirty="0"/>
+              <a:t>2. Smaller standard deviations = larger effect</a:t>
+            </a:r>
+          </a:p>
+          <a:p>
+            <a:pPr lvl="2"/>
+            <a:r>
+              <a:rPr lang="en-US" dirty="0"/>
+              <a:t>The variation within each population is smaller</a:t>
+            </a:r>
+          </a:p>
+          <a:p>
+            <a:pPr lvl="2"/>
+            <a:r>
+              <a:rPr lang="en-US" dirty="0"/>
+              <a:t>See slide 19</a:t>
+            </a:r>
           </a:p>
         </p:txBody>
       </p:sp>
@@ -10203,11 +10521,11 @@
               <a:t>Population mean (</a:t>
             </a:r>
             <a:r>
-              <a:rPr lang="el-GR" i="1" dirty="0"/>
+              <a:rPr lang="el-GR" dirty="0"/>
               <a:t>μ</a:t>
             </a:r>
             <a:r>
-              <a:rPr lang="en-US" baseline="-25000" dirty="0"/>
+              <a:rPr lang="en-US" i="1" baseline="-25000" dirty="0"/>
               <a:t>M</a:t>
             </a:r>
             <a:r>
@@ -10230,7 +10548,7 @@
               <a:t>, </a:t>
             </a:r>
             <a:r>
-              <a:rPr lang="el-GR" i="1" dirty="0"/>
+              <a:rPr lang="el-GR" dirty="0"/>
               <a:t>σ</a:t>
             </a:r>
             <a:r>
@@ -10377,7 +10695,7 @@
               <a:t> = </a:t>
             </a:r>
             <a:r>
-              <a:rPr lang="el-GR" i="1" dirty="0"/>
+              <a:rPr lang="el-GR" dirty="0"/>
               <a:t>μ</a:t>
             </a:r>
             <a:r>
@@ -10389,7 +10707,7 @@
               <a:t> + (</a:t>
             </a:r>
             <a:r>
-              <a:rPr lang="el-GR" i="1" dirty="0"/>
+              <a:rPr lang="el-GR" dirty="0"/>
               <a:t>σ</a:t>
             </a:r>
             <a:r>
@@ -10398,7 +10716,7 @@
             </a:r>
             <a:r>
               <a:rPr lang="en-US" dirty="0"/>
-              <a:t>)*</a:t>
+              <a:t>) * </a:t>
             </a:r>
             <a:r>
               <a:rPr lang="en-US" i="1" dirty="0"/>
@@ -10483,7 +10801,23 @@
           <a:p>
             <a:r>
               <a:rPr lang="en-US" dirty="0"/>
-              <a:t>Step 3: Figure out the distance between the M needed and sample M you estimated</a:t>
+              <a:t>Step 3: Figure out the distance between the </a:t>
+            </a:r>
+            <a:r>
+              <a:rPr lang="en-US" i="1" dirty="0"/>
+              <a:t>M</a:t>
+            </a:r>
+            <a:r>
+              <a:rPr lang="en-US" dirty="0"/>
+              <a:t> needed and sample </a:t>
+            </a:r>
+            <a:r>
+              <a:rPr lang="en-US" i="1" dirty="0"/>
+              <a:t>M</a:t>
+            </a:r>
+            <a:r>
+              <a:rPr lang="en-US" dirty="0"/>
+              <a:t> you estimated</a:t>
             </a:r>
           </a:p>
           <a:p>
@@ -10607,7 +10941,10 @@
           <a:bodyPr/>
           <a:lstStyle/>
           <a:p>
-            <a:endParaRPr lang="en-US"/>
+            <a:pPr marL="0" indent="0">
+              <a:buNone/>
+            </a:pPr>
+            <a:endParaRPr lang="en-US" dirty="0"/>
           </a:p>
         </p:txBody>
       </p:sp>
@@ -10657,63 +10994,64 @@
             <p:ph type="title"/>
           </p:nvPr>
         </p:nvSpPr>
+        <p:spPr>
+          <a:xfrm>
+            <a:off x="822960" y="286604"/>
+            <a:ext cx="7543800" cy="1450757"/>
+          </a:xfrm>
+        </p:spPr>
+        <p:txBody>
+          <a:bodyPr/>
+          <a:lstStyle/>
+          <a:p>
+            <a:r>
+              <a:rPr lang="en-US" dirty="0"/>
+              <a:t>Example of Practical Importance: Seatbelts </a:t>
+            </a:r>
+          </a:p>
+        </p:txBody>
+      </p:sp>
+      <p:sp>
+        <p:nvSpPr>
+          <p:cNvPr id="20482" name="Rectangle 3"/>
+          <p:cNvSpPr>
+            <a:spLocks noGrp="1" noChangeArrowheads="1"/>
+          </p:cNvSpPr>
+          <p:nvPr>
+            <p:ph idx="1"/>
+          </p:nvPr>
+        </p:nvSpPr>
         <p:spPr/>
         <p:txBody>
           <a:bodyPr/>
           <a:lstStyle/>
           <a:p>
-            <a:r>
-              <a:rPr lang="en-US" dirty="0"/>
-              <a:t>Women are bad at Math.</a:t>
-            </a:r>
-          </a:p>
-        </p:txBody>
-      </p:sp>
-      <p:sp>
-        <p:nvSpPr>
-          <p:cNvPr id="20482" name="Rectangle 3"/>
-          <p:cNvSpPr>
-            <a:spLocks noGrp="1" noChangeArrowheads="1"/>
-          </p:cNvSpPr>
-          <p:nvPr>
-            <p:ph idx="1"/>
-          </p:nvPr>
-        </p:nvSpPr>
-        <p:spPr/>
-        <p:txBody>
-          <a:bodyPr/>
-          <a:lstStyle/>
-          <a:p>
             <a:pPr eaLnBrk="1" hangingPunct="1"/>
             <a:r>
               <a:rPr lang="en-US" dirty="0"/>
-              <a:t>While I joke about being bad at math, I </a:t>
-            </a:r>
-            <a:r>
-              <a:rPr lang="en-US" i="1" dirty="0"/>
-              <a:t>really dislike </a:t>
-            </a:r>
-            <a:r>
-              <a:rPr lang="en-US" dirty="0"/>
-              <a:t>when people tell me women are not good at math.</a:t>
+              <a:t>Seatbelts haven’t been shown to be statistically significant at saving lives</a:t>
             </a:r>
           </a:p>
           <a:p>
             <a:pPr lvl="1" eaLnBrk="1" hangingPunct="1"/>
             <a:r>
               <a:rPr lang="en-US" dirty="0"/>
-              <a:t>Seriously, I was on the state math team.  </a:t>
-            </a:r>
-          </a:p>
-          <a:p>
-            <a:pPr eaLnBrk="1" hangingPunct="1"/>
-            <a:r>
-              <a:rPr lang="en-US" dirty="0">
-                <a:hlinkClick r:id="rId3"/>
-              </a:rPr>
-              <a:t>Cool presentation</a:t>
-            </a:r>
-            <a:endParaRPr lang="en-US" dirty="0"/>
+              <a:t>Why?</a:t>
+            </a:r>
+          </a:p>
+          <a:p>
+            <a:pPr lvl="1"/>
+            <a:r>
+              <a:rPr lang="en-US" dirty="0"/>
+              <a:t>Because we don’t want to have enough people die to show that it’s significant</a:t>
+            </a:r>
+          </a:p>
+          <a:p>
+            <a:pPr lvl="1"/>
+            <a:r>
+              <a:rPr lang="en-US" dirty="0"/>
+              <a:t>Very practically useful however</a:t>
+            </a:r>
           </a:p>
         </p:txBody>
       </p:sp>
@@ -11160,13 +11498,22 @@
         </p:nvSpPr>
         <p:spPr/>
         <p:txBody>
-          <a:bodyPr/>
+          <a:bodyPr>
+            <a:normAutofit lnSpcReduction="10000"/>
+          </a:bodyPr>
           <a:lstStyle/>
           <a:p>
             <a:pPr eaLnBrk="1" hangingPunct="1"/>
             <a:r>
               <a:rPr lang="en-US" dirty="0"/>
-              <a:t>Larger sample size increases power</a:t>
+              <a:t>Sample size </a:t>
+            </a:r>
+          </a:p>
+          <a:p>
+            <a:pPr lvl="1"/>
+            <a:r>
+              <a:rPr lang="en-US" dirty="0"/>
+              <a:t>Higher sample size increases power</a:t>
             </a:r>
           </a:p>
           <a:p>
@@ -11180,13 +11527,20 @@
             <a:pPr lvl="1" eaLnBrk="1" hangingPunct="1"/>
             <a:r>
               <a:rPr lang="en-US" dirty="0"/>
-              <a:t>Higher level increases power (e.g., from .05 to .10)</a:t>
+              <a:t>Higher alpha level increases power (e.g., from .05 to .10)</a:t>
             </a:r>
           </a:p>
           <a:p>
             <a:pPr eaLnBrk="1" hangingPunct="1"/>
             <a:r>
               <a:rPr lang="en-US" dirty="0"/>
+              <a:t>One- or two-tailed? </a:t>
+            </a:r>
+          </a:p>
+          <a:p>
+            <a:pPr lvl="1"/>
+            <a:r>
+              <a:rPr lang="en-US" dirty="0"/>
               <a:t>One-tailed tests have more power than two-tailed tests</a:t>
             </a:r>
           </a:p>
@@ -11194,14 +11548,28 @@
             <a:pPr eaLnBrk="1" hangingPunct="1"/>
             <a:r>
               <a:rPr lang="en-US" dirty="0"/>
-              <a:t>Decrease standard deviation</a:t>
+              <a:t>Standard deviation</a:t>
+            </a:r>
+          </a:p>
+          <a:p>
+            <a:pPr lvl="1"/>
+            <a:r>
+              <a:rPr lang="en-US" dirty="0"/>
+              <a:t>Small standard deviation = more power</a:t>
             </a:r>
           </a:p>
           <a:p>
             <a:pPr eaLnBrk="1" hangingPunct="1"/>
             <a:r>
               <a:rPr lang="en-US" dirty="0"/>
-              <a:t>Increase difference between the means</a:t>
+              <a:t>Difference between the means</a:t>
+            </a:r>
+          </a:p>
+          <a:p>
+            <a:pPr lvl="1"/>
+            <a:r>
+              <a:rPr lang="en-US" dirty="0"/>
+              <a:t>Large difference between means = more power</a:t>
             </a:r>
           </a:p>
         </p:txBody>
@@ -11491,22 +11859,28 @@
       </p:grpSpPr>
       <p:pic>
         <p:nvPicPr>
-          <p:cNvPr id="5" name="Picture 4"/>
+          <p:cNvPr id="3" name="Picture 2" descr="A picture containing object, antenna&#10;&#10;Description generated with very high confidence">
+            <a:extLst>
+              <a:ext uri="{FF2B5EF4-FFF2-40B4-BE49-F238E27FC236}">
+                <a16:creationId xmlns:a16="http://schemas.microsoft.com/office/drawing/2014/main" id="{054502BB-EFD8-4C18-ADB9-C5453592B93C}"/>
+              </a:ext>
+            </a:extLst>
+          </p:cNvPr>
           <p:cNvPicPr>
             <a:picLocks noChangeAspect="1"/>
           </p:cNvPicPr>
           <p:nvPr/>
         </p:nvPicPr>
         <p:blipFill>
-          <a:blip r:embed="rId2"/>
+          <a:blip r:embed="rId3"/>
           <a:stretch>
             <a:fillRect/>
           </a:stretch>
         </p:blipFill>
         <p:spPr>
           <a:xfrm>
-            <a:off x="1006475" y="609600"/>
-            <a:ext cx="7131050" cy="5212432"/>
+            <a:off x="457200" y="76200"/>
+            <a:ext cx="8229600" cy="6172200"/>
           </a:xfrm>
           <a:prstGeom prst="rect">
             <a:avLst/>
@@ -11582,7 +11956,7 @@
           <a:p>
             <a:r>
               <a:rPr lang="en-US" dirty="0"/>
-              <a:t>So what do we do to judge a study for the practical significance?</a:t>
+              <a:t>So how do we judge a study for practical significance?</a:t>
             </a:r>
           </a:p>
           <a:p>
@@ -11782,7 +12156,7 @@
             <a:pPr lvl="1" eaLnBrk="1" hangingPunct="1"/>
             <a:r>
               <a:rPr lang="en-US" dirty="0"/>
-              <a:t>e.g.,  Confidence interval</a:t>
+              <a:t>e.g.,  confidence interval (CI)</a:t>
             </a:r>
           </a:p>
           <a:p>
@@ -11888,33 +12262,6 @@
               <a:t>Typically set at 95% or 99%</a:t>
             </a:r>
           </a:p>
-          <a:p>
-            <a:pPr lvl="1">
-              <a:buFont typeface="Lucida Grande" pitchFamily="-48" charset="0"/>
-              <a:buChar char="•"/>
-              <a:defRPr/>
-            </a:pPr>
-            <a:r>
-              <a:rPr lang="en-US" dirty="0"/>
-              <a:t>(hint that matches </a:t>
-            </a:r>
-            <a:r>
-              <a:rPr lang="en-US" i="1" dirty="0"/>
-              <a:t>p </a:t>
-            </a:r>
-            <a:r>
-              <a:rPr lang="en-US" dirty="0"/>
-              <a:t>&lt; .05, </a:t>
-            </a:r>
-            <a:r>
-              <a:rPr lang="en-US" i="1" dirty="0"/>
-              <a:t>p </a:t>
-            </a:r>
-            <a:r>
-              <a:rPr lang="en-US" dirty="0"/>
-              <a:t>&lt; .01)</a:t>
-            </a:r>
-          </a:p>
         </p:txBody>
       </p:sp>
     </p:spTree>
@@ -12091,7 +12438,7 @@
               <a:t>Some argue we should calculate means and CIs and if they </a:t>
             </a:r>
             <a:r>
-              <a:rPr lang="en-US" i="1" dirty="0"/>
+              <a:rPr lang="en-US" b="1" dirty="0"/>
               <a:t>do not</a:t>
             </a:r>
             <a:r>
@@ -12103,7 +12450,7 @@
             <a:pPr lvl="2"/>
             <a:r>
               <a:rPr lang="en-US" dirty="0"/>
-              <a:t>Only works sometimes though … </a:t>
+              <a:t>Only works sometimes though… </a:t>
             </a:r>
           </a:p>
         </p:txBody>
